--- a/docs/lessons/1.3-mth391-cloud-computing/r-studio-console-vs-scripting.pptx
+++ b/docs/lessons/1.3-mth391-cloud-computing/r-studio-console-vs-scripting.pptx
@@ -243,7 +243,7 @@
           <a:p>
             <a:fld id="{4AEAE896-FE0A-44A7-8C3D-0612BC5F150D}" type="datetimeFigureOut">
               <a:rPr lang="en-US" smtClean="0"/>
-              <a:t>1/17/2025</a:t>
+              <a:t>1/20/2025</a:t>
             </a:fld>
             <a:endParaRPr lang="en-US"/>
           </a:p>
@@ -413,7 +413,7 @@
           <a:p>
             <a:fld id="{4AEAE896-FE0A-44A7-8C3D-0612BC5F150D}" type="datetimeFigureOut">
               <a:rPr lang="en-US" smtClean="0"/>
-              <a:t>1/17/2025</a:t>
+              <a:t>1/20/2025</a:t>
             </a:fld>
             <a:endParaRPr lang="en-US"/>
           </a:p>
@@ -593,7 +593,7 @@
           <a:p>
             <a:fld id="{4AEAE896-FE0A-44A7-8C3D-0612BC5F150D}" type="datetimeFigureOut">
               <a:rPr lang="en-US" smtClean="0"/>
-              <a:t>1/17/2025</a:t>
+              <a:t>1/20/2025</a:t>
             </a:fld>
             <a:endParaRPr lang="en-US"/>
           </a:p>
@@ -763,7 +763,7 @@
           <a:p>
             <a:fld id="{4AEAE896-FE0A-44A7-8C3D-0612BC5F150D}" type="datetimeFigureOut">
               <a:rPr lang="en-US" smtClean="0"/>
-              <a:t>1/17/2025</a:t>
+              <a:t>1/20/2025</a:t>
             </a:fld>
             <a:endParaRPr lang="en-US"/>
           </a:p>
@@ -1009,7 +1009,7 @@
           <a:p>
             <a:fld id="{4AEAE896-FE0A-44A7-8C3D-0612BC5F150D}" type="datetimeFigureOut">
               <a:rPr lang="en-US" smtClean="0"/>
-              <a:t>1/17/2025</a:t>
+              <a:t>1/20/2025</a:t>
             </a:fld>
             <a:endParaRPr lang="en-US"/>
           </a:p>
@@ -1241,7 +1241,7 @@
           <a:p>
             <a:fld id="{4AEAE896-FE0A-44A7-8C3D-0612BC5F150D}" type="datetimeFigureOut">
               <a:rPr lang="en-US" smtClean="0"/>
-              <a:t>1/17/2025</a:t>
+              <a:t>1/20/2025</a:t>
             </a:fld>
             <a:endParaRPr lang="en-US"/>
           </a:p>
@@ -1608,7 +1608,7 @@
           <a:p>
             <a:fld id="{4AEAE896-FE0A-44A7-8C3D-0612BC5F150D}" type="datetimeFigureOut">
               <a:rPr lang="en-US" smtClean="0"/>
-              <a:t>1/17/2025</a:t>
+              <a:t>1/20/2025</a:t>
             </a:fld>
             <a:endParaRPr lang="en-US"/>
           </a:p>
@@ -1726,7 +1726,7 @@
           <a:p>
             <a:fld id="{4AEAE896-FE0A-44A7-8C3D-0612BC5F150D}" type="datetimeFigureOut">
               <a:rPr lang="en-US" smtClean="0"/>
-              <a:t>1/17/2025</a:t>
+              <a:t>1/20/2025</a:t>
             </a:fld>
             <a:endParaRPr lang="en-US"/>
           </a:p>
@@ -1821,7 +1821,7 @@
           <a:p>
             <a:fld id="{4AEAE896-FE0A-44A7-8C3D-0612BC5F150D}" type="datetimeFigureOut">
               <a:rPr lang="en-US" smtClean="0"/>
-              <a:t>1/17/2025</a:t>
+              <a:t>1/20/2025</a:t>
             </a:fld>
             <a:endParaRPr lang="en-US"/>
           </a:p>
@@ -2098,7 +2098,7 @@
           <a:p>
             <a:fld id="{4AEAE896-FE0A-44A7-8C3D-0612BC5F150D}" type="datetimeFigureOut">
               <a:rPr lang="en-US" smtClean="0"/>
-              <a:t>1/17/2025</a:t>
+              <a:t>1/20/2025</a:t>
             </a:fld>
             <a:endParaRPr lang="en-US"/>
           </a:p>
@@ -2355,7 +2355,7 @@
           <a:p>
             <a:fld id="{4AEAE896-FE0A-44A7-8C3D-0612BC5F150D}" type="datetimeFigureOut">
               <a:rPr lang="en-US" smtClean="0"/>
-              <a:t>1/17/2025</a:t>
+              <a:t>1/20/2025</a:t>
             </a:fld>
             <a:endParaRPr lang="en-US"/>
           </a:p>
@@ -2568,7 +2568,7 @@
           <a:p>
             <a:fld id="{4AEAE896-FE0A-44A7-8C3D-0612BC5F150D}" type="datetimeFigureOut">
               <a:rPr lang="en-US" smtClean="0"/>
-              <a:t>1/17/2025</a:t>
+              <a:t>1/20/2025</a:t>
             </a:fld>
             <a:endParaRPr lang="en-US"/>
           </a:p>
@@ -3001,7 +3001,7 @@
         </p:blipFill>
         <p:spPr>
           <a:xfrm>
-            <a:off x="6104851" y="53268"/>
+            <a:off x="6096000" y="452281"/>
             <a:ext cx="6073465" cy="4935984"/>
           </a:xfrm>
           <a:prstGeom prst="rect">
@@ -3023,7 +3023,7 @@
         </p:nvSpPr>
         <p:spPr>
           <a:xfrm>
-            <a:off x="6128644" y="71022"/>
+            <a:off x="6128644" y="462496"/>
             <a:ext cx="6049672" cy="4935984"/>
           </a:xfrm>
           <a:prstGeom prst="rect">
@@ -3087,7 +3087,7 @@
         </p:blipFill>
         <p:spPr>
           <a:xfrm>
-            <a:off x="13684" y="0"/>
+            <a:off x="13684" y="452281"/>
             <a:ext cx="6049674" cy="4935984"/>
           </a:xfrm>
           <a:prstGeom prst="rect">
@@ -3109,7 +3109,7 @@
         </p:nvSpPr>
         <p:spPr>
           <a:xfrm>
-            <a:off x="13683" y="0"/>
+            <a:off x="13682" y="467999"/>
             <a:ext cx="6049673" cy="1526959"/>
           </a:xfrm>
           <a:prstGeom prst="rect">
@@ -3147,91 +3147,6 @@
       </p:sp>
       <p:sp>
         <p:nvSpPr>
-          <p:cNvPr id="7" name="TextBox 6">
-            <a:extLst>
-              <a:ext uri="{FF2B5EF4-FFF2-40B4-BE49-F238E27FC236}">
-                <a16:creationId xmlns:a16="http://schemas.microsoft.com/office/drawing/2014/main" id="{BFE117B4-7FB7-8E12-B773-6AB373353862}"/>
-              </a:ext>
-            </a:extLst>
-          </p:cNvPr>
-          <p:cNvSpPr txBox="1"/>
-          <p:nvPr/>
-        </p:nvSpPr>
-        <p:spPr>
-          <a:xfrm>
-            <a:off x="1466928" y="2084519"/>
-            <a:ext cx="3143182" cy="830997"/>
-          </a:xfrm>
-          <a:prstGeom prst="rect">
-            <a:avLst/>
-          </a:prstGeom>
-          <a:noFill/>
-        </p:spPr>
-        <p:txBody>
-          <a:bodyPr wrap="square" rtlCol="0">
-            <a:spAutoFit/>
-          </a:bodyPr>
-          <a:lstStyle/>
-          <a:p>
-            <a:r>
-              <a:rPr lang="en-US" sz="2400" b="1" dirty="0">
-                <a:solidFill>
-                  <a:srgbClr val="C00000"/>
-                </a:solidFill>
-              </a:rPr>
-              <a:t>Running R commands directly on the console.</a:t>
-            </a:r>
-          </a:p>
-        </p:txBody>
-      </p:sp>
-      <p:cxnSp>
-        <p:nvCxnSpPr>
-          <p:cNvPr id="9" name="Straight Arrow Connector 8">
-            <a:extLst>
-              <a:ext uri="{FF2B5EF4-FFF2-40B4-BE49-F238E27FC236}">
-                <a16:creationId xmlns:a16="http://schemas.microsoft.com/office/drawing/2014/main" id="{A1D9B489-3D3D-7241-D69E-7ACE54064958}"/>
-              </a:ext>
-            </a:extLst>
-          </p:cNvPr>
-          <p:cNvCxnSpPr>
-            <a:cxnSpLocks/>
-            <a:stCxn id="6" idx="2"/>
-            <a:endCxn id="7" idx="0"/>
-          </p:cNvCxnSpPr>
-          <p:nvPr/>
-        </p:nvCxnSpPr>
-        <p:spPr>
-          <a:xfrm flipH="1">
-            <a:off x="3038519" y="1526959"/>
-            <a:ext cx="1" cy="557560"/>
-          </a:xfrm>
-          <a:prstGeom prst="straightConnector1">
-            <a:avLst/>
-          </a:prstGeom>
-          <a:ln w="57150">
-            <a:solidFill>
-              <a:srgbClr val="C00000"/>
-            </a:solidFill>
-            <a:tailEnd type="triangle"/>
-          </a:ln>
-        </p:spPr>
-        <p:style>
-          <a:lnRef idx="2">
-            <a:schemeClr val="accent1"/>
-          </a:lnRef>
-          <a:fillRef idx="0">
-            <a:schemeClr val="accent1"/>
-          </a:fillRef>
-          <a:effectRef idx="1">
-            <a:schemeClr val="accent1"/>
-          </a:effectRef>
-          <a:fontRef idx="minor">
-            <a:schemeClr val="tx1"/>
-          </a:fontRef>
-        </p:style>
-      </p:cxnSp>
-      <p:sp>
-        <p:nvSpPr>
           <p:cNvPr id="14" name="TextBox 13">
             <a:extLst>
               <a:ext uri="{FF2B5EF4-FFF2-40B4-BE49-F238E27FC236}">
@@ -3244,8 +3159,8 @@
         </p:nvSpPr>
         <p:spPr>
           <a:xfrm>
-            <a:off x="7184570" y="6027003"/>
-            <a:ext cx="3937819" cy="830997"/>
+            <a:off x="7361550" y="5526003"/>
+            <a:ext cx="3937819" cy="1200329"/>
           </a:xfrm>
           <a:prstGeom prst="rect">
             <a:avLst/>
@@ -3264,57 +3179,11 @@
                   <a:srgbClr val="FFC000"/>
                 </a:solidFill>
               </a:rPr>
-              <a:t>Running R commands from an R script.</a:t>
-            </a:r>
-          </a:p>
-        </p:txBody>
-      </p:sp>
-      <p:cxnSp>
-        <p:nvCxnSpPr>
-          <p:cNvPr id="15" name="Straight Arrow Connector 14">
-            <a:extLst>
-              <a:ext uri="{FF2B5EF4-FFF2-40B4-BE49-F238E27FC236}">
-                <a16:creationId xmlns:a16="http://schemas.microsoft.com/office/drawing/2014/main" id="{A87774D6-DEED-C464-D483-988074E03285}"/>
-              </a:ext>
-            </a:extLst>
-          </p:cNvPr>
-          <p:cNvCxnSpPr>
-            <a:cxnSpLocks/>
-            <a:stCxn id="11" idx="2"/>
-            <a:endCxn id="14" idx="0"/>
-          </p:cNvCxnSpPr>
-          <p:nvPr/>
-        </p:nvCxnSpPr>
-        <p:spPr>
-          <a:xfrm>
-            <a:off x="9153480" y="5007006"/>
-            <a:ext cx="0" cy="1019997"/>
-          </a:xfrm>
-          <a:prstGeom prst="straightConnector1">
-            <a:avLst/>
-          </a:prstGeom>
-          <a:ln w="57150">
-            <a:solidFill>
-              <a:srgbClr val="FFC000"/>
-            </a:solidFill>
-            <a:tailEnd type="triangle"/>
-          </a:ln>
-        </p:spPr>
-        <p:style>
-          <a:lnRef idx="2">
-            <a:schemeClr val="accent1"/>
-          </a:lnRef>
-          <a:fillRef idx="0">
-            <a:schemeClr val="accent1"/>
-          </a:fillRef>
-          <a:effectRef idx="1">
-            <a:schemeClr val="accent1"/>
-          </a:effectRef>
-          <a:fontRef idx="minor">
-            <a:schemeClr val="tx1"/>
-          </a:fontRef>
-        </p:style>
-      </p:cxnSp>
+              <a:t>Running R commands from an R script will send these commands to the console.</a:t>
+            </a:r>
+          </a:p>
+        </p:txBody>
+      </p:sp>
       <p:sp>
         <p:nvSpPr>
           <p:cNvPr id="31" name="Rectangle 30">
@@ -3329,7 +3198,7 @@
         </p:nvSpPr>
         <p:spPr>
           <a:xfrm>
-            <a:off x="11113511" y="246681"/>
+            <a:off x="11103679" y="659637"/>
             <a:ext cx="786866" cy="240475"/>
           </a:xfrm>
           <a:prstGeom prst="rect">
@@ -3379,7 +3248,7 @@
         </p:nvSpPr>
         <p:spPr>
           <a:xfrm>
-            <a:off x="8441124" y="1076835"/>
+            <a:off x="8431292" y="1489791"/>
             <a:ext cx="3358456" cy="830997"/>
           </a:xfrm>
           <a:prstGeom prst="rect">
@@ -3421,7 +3290,7 @@
         </p:nvCxnSpPr>
         <p:spPr>
           <a:xfrm rot="10800000" flipV="1">
-            <a:off x="10111475" y="366919"/>
+            <a:off x="10101643" y="779875"/>
             <a:ext cx="1002037" cy="772062"/>
           </a:xfrm>
           <a:prstGeom prst="bentConnector2">
@@ -3463,7 +3332,7 @@
         </p:nvSpPr>
         <p:spPr>
           <a:xfrm>
-            <a:off x="438539" y="3325585"/>
+            <a:off x="438539" y="1984976"/>
             <a:ext cx="5199960" cy="1200329"/>
           </a:xfrm>
           <a:prstGeom prst="rect">
@@ -3502,8 +3371,8 @@
         </p:nvSpPr>
         <p:spPr>
           <a:xfrm>
-            <a:off x="695780" y="6027003"/>
-            <a:ext cx="4685478" cy="830997"/>
+            <a:off x="567158" y="5526003"/>
+            <a:ext cx="4942719" cy="1200329"/>
           </a:xfrm>
           <a:prstGeom prst="rect">
             <a:avLst/>
@@ -3522,103 +3391,11 @@
                   <a:srgbClr val="FFC000"/>
                 </a:solidFill>
               </a:rPr>
-              <a:t>Writing R on a script file is useful if you need to save your work.</a:t>
-            </a:r>
-          </a:p>
-        </p:txBody>
-      </p:sp>
-      <p:cxnSp>
-        <p:nvCxnSpPr>
-          <p:cNvPr id="36" name="Straight Arrow Connector 35">
-            <a:extLst>
-              <a:ext uri="{FF2B5EF4-FFF2-40B4-BE49-F238E27FC236}">
-                <a16:creationId xmlns:a16="http://schemas.microsoft.com/office/drawing/2014/main" id="{2DD06C8B-A7D0-4547-AB08-11C9D7BDE4D9}"/>
-              </a:ext>
-            </a:extLst>
-          </p:cNvPr>
-          <p:cNvCxnSpPr>
-            <a:cxnSpLocks/>
-            <a:stCxn id="7" idx="2"/>
-            <a:endCxn id="34" idx="0"/>
-          </p:cNvCxnSpPr>
-          <p:nvPr/>
-        </p:nvCxnSpPr>
-        <p:spPr>
-          <a:xfrm>
-            <a:off x="3038519" y="2915516"/>
-            <a:ext cx="0" cy="410069"/>
-          </a:xfrm>
-          <a:prstGeom prst="straightConnector1">
-            <a:avLst/>
-          </a:prstGeom>
-          <a:ln w="57150">
-            <a:solidFill>
-              <a:srgbClr val="C00000"/>
-            </a:solidFill>
-            <a:tailEnd type="triangle"/>
-          </a:ln>
-        </p:spPr>
-        <p:style>
-          <a:lnRef idx="2">
-            <a:schemeClr val="accent1"/>
-          </a:lnRef>
-          <a:fillRef idx="0">
-            <a:schemeClr val="accent1"/>
-          </a:fillRef>
-          <a:effectRef idx="1">
-            <a:schemeClr val="accent1"/>
-          </a:effectRef>
-          <a:fontRef idx="minor">
-            <a:schemeClr val="tx1"/>
-          </a:fontRef>
-        </p:style>
-      </p:cxnSp>
-      <p:cxnSp>
-        <p:nvCxnSpPr>
-          <p:cNvPr id="42" name="Straight Arrow Connector 41">
-            <a:extLst>
-              <a:ext uri="{FF2B5EF4-FFF2-40B4-BE49-F238E27FC236}">
-                <a16:creationId xmlns:a16="http://schemas.microsoft.com/office/drawing/2014/main" id="{95E200E9-8381-4B38-BC24-7CC864D63662}"/>
-              </a:ext>
-            </a:extLst>
-          </p:cNvPr>
-          <p:cNvCxnSpPr>
-            <a:cxnSpLocks/>
-            <a:stCxn id="14" idx="1"/>
-            <a:endCxn id="35" idx="3"/>
-          </p:cNvCxnSpPr>
-          <p:nvPr/>
-        </p:nvCxnSpPr>
-        <p:spPr>
-          <a:xfrm flipH="1">
-            <a:off x="5381258" y="6442502"/>
-            <a:ext cx="1803312" cy="0"/>
-          </a:xfrm>
-          <a:prstGeom prst="straightConnector1">
-            <a:avLst/>
-          </a:prstGeom>
-          <a:ln w="57150">
-            <a:solidFill>
-              <a:srgbClr val="FFC000"/>
-            </a:solidFill>
-            <a:tailEnd type="triangle"/>
-          </a:ln>
-        </p:spPr>
-        <p:style>
-          <a:lnRef idx="2">
-            <a:schemeClr val="accent1"/>
-          </a:lnRef>
-          <a:fillRef idx="0">
-            <a:schemeClr val="accent1"/>
-          </a:fillRef>
-          <a:effectRef idx="1">
-            <a:schemeClr val="accent1"/>
-          </a:effectRef>
-          <a:fontRef idx="minor">
-            <a:schemeClr val="tx1"/>
-          </a:fontRef>
-        </p:style>
-      </p:cxnSp>
+              <a:t>Writing R on a script file is useful if you need to run multiple commands.</a:t>
+            </a:r>
+          </a:p>
+        </p:txBody>
+      </p:sp>
       <p:sp>
         <p:nvSpPr>
           <p:cNvPr id="48" name="TextBox 47">
@@ -3633,8 +3410,8 @@
         </p:nvSpPr>
         <p:spPr>
           <a:xfrm>
-            <a:off x="695780" y="4858246"/>
-            <a:ext cx="4685478" cy="830997"/>
+            <a:off x="567157" y="3923208"/>
+            <a:ext cx="4942719" cy="830997"/>
           </a:xfrm>
           <a:prstGeom prst="rect">
             <a:avLst/>
@@ -3649,7 +3426,7 @@
           <a:p>
             <a:r>
               <a:rPr lang="en-US" sz="2400" b="1" dirty="0"/>
-              <a:t>Both methods is using the same system but in different pathways.</a:t>
+              <a:t>Both methods are using the same system but in different pathways.</a:t>
             </a:r>
           </a:p>
         </p:txBody>
@@ -3671,16 +3448,16 @@
           <p:nvPr/>
         </p:nvCxnSpPr>
         <p:spPr>
-          <a:xfrm>
-            <a:off x="3038519" y="4525914"/>
-            <a:ext cx="0" cy="332332"/>
+          <a:xfrm flipH="1">
+            <a:off x="3038517" y="3185305"/>
+            <a:ext cx="2" cy="737903"/>
           </a:xfrm>
           <a:prstGeom prst="straightConnector1">
             <a:avLst/>
           </a:prstGeom>
           <a:ln w="57150">
             <a:solidFill>
-              <a:schemeClr val="tx1"/>
+              <a:srgbClr val="C00000"/>
             </a:solidFill>
             <a:tailEnd type="triangle"/>
           </a:ln>
@@ -3717,16 +3494,185 @@
           <p:nvPr/>
         </p:nvCxnSpPr>
         <p:spPr>
-          <a:xfrm flipV="1">
-            <a:off x="3038519" y="5689243"/>
-            <a:ext cx="0" cy="337760"/>
+          <a:xfrm flipH="1" flipV="1">
+            <a:off x="3038517" y="4754205"/>
+            <a:ext cx="1" cy="771798"/>
           </a:xfrm>
           <a:prstGeom prst="straightConnector1">
             <a:avLst/>
           </a:prstGeom>
           <a:ln w="57150">
             <a:solidFill>
+              <a:srgbClr val="FFC000"/>
+            </a:solidFill>
+            <a:tailEnd type="triangle"/>
+          </a:ln>
+        </p:spPr>
+        <p:style>
+          <a:lnRef idx="2">
+            <a:schemeClr val="accent1"/>
+          </a:lnRef>
+          <a:fillRef idx="0">
+            <a:schemeClr val="accent1"/>
+          </a:fillRef>
+          <a:effectRef idx="1">
+            <a:schemeClr val="accent1"/>
+          </a:effectRef>
+          <a:fontRef idx="minor">
+            <a:schemeClr val="tx1"/>
+          </a:fontRef>
+        </p:style>
+      </p:cxnSp>
+      <p:sp>
+        <p:nvSpPr>
+          <p:cNvPr id="40" name="TextBox 39">
+            <a:extLst>
+              <a:ext uri="{FF2B5EF4-FFF2-40B4-BE49-F238E27FC236}">
+                <a16:creationId xmlns:a16="http://schemas.microsoft.com/office/drawing/2014/main" id="{714A1EEE-8D2A-93A5-E9E6-B124629A1AFB}"/>
+              </a:ext>
+            </a:extLst>
+          </p:cNvPr>
+          <p:cNvSpPr txBox="1"/>
+          <p:nvPr/>
+        </p:nvSpPr>
+        <p:spPr>
+          <a:xfrm>
+            <a:off x="7163822" y="-28241"/>
+            <a:ext cx="3937819" cy="461665"/>
+          </a:xfrm>
+          <a:prstGeom prst="rect">
+            <a:avLst/>
+          </a:prstGeom>
+          <a:noFill/>
+        </p:spPr>
+        <p:txBody>
+          <a:bodyPr wrap="square" rtlCol="0">
+            <a:spAutoFit/>
+          </a:bodyPr>
+          <a:lstStyle/>
+          <a:p>
+            <a:pPr algn="ctr"/>
+            <a:r>
+              <a:rPr lang="en-US" sz="2400" b="1" dirty="0">
+                <a:solidFill>
+                  <a:srgbClr val="FFC000"/>
+                </a:solidFill>
+              </a:rPr>
+              <a:t>R Scripting</a:t>
+            </a:r>
+          </a:p>
+        </p:txBody>
+      </p:sp>
+      <p:sp>
+        <p:nvSpPr>
+          <p:cNvPr id="41" name="TextBox 40">
+            <a:extLst>
+              <a:ext uri="{FF2B5EF4-FFF2-40B4-BE49-F238E27FC236}">
+                <a16:creationId xmlns:a16="http://schemas.microsoft.com/office/drawing/2014/main" id="{7C802CAD-BD25-A8D8-A6E5-30B2A36C883C}"/>
+              </a:ext>
+            </a:extLst>
+          </p:cNvPr>
+          <p:cNvSpPr txBox="1"/>
+          <p:nvPr/>
+        </p:nvSpPr>
+        <p:spPr>
+          <a:xfrm>
+            <a:off x="330248" y="831"/>
+            <a:ext cx="5199960" cy="461665"/>
+          </a:xfrm>
+          <a:prstGeom prst="rect">
+            <a:avLst/>
+          </a:prstGeom>
+          <a:noFill/>
+        </p:spPr>
+        <p:txBody>
+          <a:bodyPr wrap="square" rtlCol="0">
+            <a:spAutoFit/>
+          </a:bodyPr>
+          <a:lstStyle/>
+          <a:p>
+            <a:pPr algn="ctr"/>
+            <a:r>
+              <a:rPr lang="en-US" sz="2400" b="1" dirty="0">
+                <a:solidFill>
+                  <a:srgbClr val="C00000"/>
+                </a:solidFill>
+              </a:rPr>
+              <a:t>Console</a:t>
+            </a:r>
+          </a:p>
+        </p:txBody>
+      </p:sp>
+      <p:cxnSp>
+        <p:nvCxnSpPr>
+          <p:cNvPr id="59" name="Straight Connector 58">
+            <a:extLst>
+              <a:ext uri="{FF2B5EF4-FFF2-40B4-BE49-F238E27FC236}">
+                <a16:creationId xmlns:a16="http://schemas.microsoft.com/office/drawing/2014/main" id="{84C2EB45-204A-85FB-CEEA-A5E32398F740}"/>
+              </a:ext>
+            </a:extLst>
+          </p:cNvPr>
+          <p:cNvCxnSpPr>
+            <a:cxnSpLocks/>
+          </p:cNvCxnSpPr>
+          <p:nvPr/>
+        </p:nvCxnSpPr>
+        <p:spPr>
+          <a:xfrm>
+            <a:off x="6092852" y="-13719"/>
+            <a:ext cx="0" cy="6858000"/>
+          </a:xfrm>
+          <a:prstGeom prst="line">
+            <a:avLst/>
+          </a:prstGeom>
+          <a:ln w="76200">
+            <a:solidFill>
               <a:schemeClr val="tx1"/>
+            </a:solidFill>
+          </a:ln>
+        </p:spPr>
+        <p:style>
+          <a:lnRef idx="2">
+            <a:schemeClr val="accent1"/>
+          </a:lnRef>
+          <a:fillRef idx="0">
+            <a:schemeClr val="accent1"/>
+          </a:fillRef>
+          <a:effectRef idx="1">
+            <a:schemeClr val="accent1"/>
+          </a:effectRef>
+          <a:fontRef idx="minor">
+            <a:schemeClr val="tx1"/>
+          </a:fontRef>
+        </p:style>
+      </p:cxnSp>
+      <p:cxnSp>
+        <p:nvCxnSpPr>
+          <p:cNvPr id="42" name="Straight Arrow Connector 41">
+            <a:extLst>
+              <a:ext uri="{FF2B5EF4-FFF2-40B4-BE49-F238E27FC236}">
+                <a16:creationId xmlns:a16="http://schemas.microsoft.com/office/drawing/2014/main" id="{95E200E9-8381-4B38-BC24-7CC864D63662}"/>
+              </a:ext>
+            </a:extLst>
+          </p:cNvPr>
+          <p:cNvCxnSpPr>
+            <a:cxnSpLocks/>
+            <a:stCxn id="14" idx="1"/>
+            <a:endCxn id="35" idx="3"/>
+          </p:cNvCxnSpPr>
+          <p:nvPr/>
+        </p:nvCxnSpPr>
+        <p:spPr>
+          <a:xfrm flipH="1">
+            <a:off x="5509877" y="6126168"/>
+            <a:ext cx="1851673" cy="0"/>
+          </a:xfrm>
+          <a:prstGeom prst="straightConnector1">
+            <a:avLst/>
+          </a:prstGeom>
+          <a:ln w="57150">
+            <a:solidFill>
+              <a:srgbClr val="FFC000"/>
             </a:solidFill>
             <a:tailEnd type="triangle"/>
           </a:ln>
